--- a/Internet of Things.pptx
+++ b/Internet of Things.pptx
@@ -28,8 +28,8 @@
     <p:sldId id="282" r:id="rId19"/>
     <p:sldId id="285" r:id="rId20"/>
     <p:sldId id="280" r:id="rId21"/>
-    <p:sldId id="283" r:id="rId22"/>
-    <p:sldId id="270" r:id="rId23"/>
+    <p:sldId id="270" r:id="rId22"/>
+    <p:sldId id="286" r:id="rId23"/>
     <p:sldId id="281" r:id="rId24"/>
     <p:sldId id="284" r:id="rId25"/>
     <p:sldId id="260" r:id="rId26"/>
@@ -155,6 +155,171 @@
 </p:presentation>
 </file>
 
+<file path=ppt/changesInfos/changesInfo1.xml><?xml version="1.0" encoding="utf-8"?>
+<pc:chgInfo xmlns:a="http://schemas.openxmlformats.org/drawingml/2006/main" xmlns:r="http://schemas.openxmlformats.org/officeDocument/2006/relationships" xmlns:ac="http://schemas.microsoft.com/office/drawing/2013/main/command" xmlns:pc="http://schemas.microsoft.com/office/powerpoint/2013/main/command">
+  <pc:docChgLst>
+    <pc:chgData name="lidia gianne" userId="abf86593740c7c19" providerId="LiveId" clId="{181DE482-9F92-4A7D-94FE-1458DA8EA06A}"/>
+    <pc:docChg chg="addSld delSld modSld">
+      <pc:chgData name="lidia gianne" userId="abf86593740c7c19" providerId="LiveId" clId="{181DE482-9F92-4A7D-94FE-1458DA8EA06A}" dt="2018-05-01T04:05:10.070" v="62" actId="1076"/>
+      <pc:docMkLst>
+        <pc:docMk/>
+      </pc:docMkLst>
+      <pc:sldChg chg="modSp">
+        <pc:chgData name="lidia gianne" userId="abf86593740c7c19" providerId="LiveId" clId="{181DE482-9F92-4A7D-94FE-1458DA8EA06A}" dt="2018-05-01T04:04:16.357" v="22" actId="1076"/>
+        <pc:sldMkLst>
+          <pc:docMk/>
+          <pc:sldMk cId="1341470884" sldId="260"/>
+        </pc:sldMkLst>
+        <pc:picChg chg="mod">
+          <ac:chgData name="lidia gianne" userId="abf86593740c7c19" providerId="LiveId" clId="{181DE482-9F92-4A7D-94FE-1458DA8EA06A}" dt="2018-05-01T04:04:16.357" v="22" actId="1076"/>
+          <ac:picMkLst>
+            <pc:docMk/>
+            <pc:sldMk cId="1341470884" sldId="260"/>
+            <ac:picMk id="12" creationId="{ED3ED7B0-98EC-4E10-9334-6C1C51343B3E}"/>
+          </ac:picMkLst>
+        </pc:picChg>
+      </pc:sldChg>
+      <pc:sldChg chg="modSp">
+        <pc:chgData name="lidia gianne" userId="abf86593740c7c19" providerId="LiveId" clId="{181DE482-9F92-4A7D-94FE-1458DA8EA06A}" dt="2018-05-01T04:04:37.762" v="27" actId="1076"/>
+        <pc:sldMkLst>
+          <pc:docMk/>
+          <pc:sldMk cId="4064813429" sldId="261"/>
+        </pc:sldMkLst>
+        <pc:picChg chg="mod">
+          <ac:chgData name="lidia gianne" userId="abf86593740c7c19" providerId="LiveId" clId="{181DE482-9F92-4A7D-94FE-1458DA8EA06A}" dt="2018-05-01T04:04:37.762" v="27" actId="1076"/>
+          <ac:picMkLst>
+            <pc:docMk/>
+            <pc:sldMk cId="4064813429" sldId="261"/>
+            <ac:picMk id="4" creationId="{DF257769-964C-4A95-8BBA-D3E20DEF9BA1}"/>
+          </ac:picMkLst>
+        </pc:picChg>
+      </pc:sldChg>
+      <pc:sldChg chg="modSp">
+        <pc:chgData name="lidia gianne" userId="abf86593740c7c19" providerId="LiveId" clId="{181DE482-9F92-4A7D-94FE-1458DA8EA06A}" dt="2018-05-01T04:03:22.700" v="11" actId="1035"/>
+        <pc:sldMkLst>
+          <pc:docMk/>
+          <pc:sldMk cId="1345761272" sldId="270"/>
+        </pc:sldMkLst>
+        <pc:picChg chg="mod">
+          <ac:chgData name="lidia gianne" userId="abf86593740c7c19" providerId="LiveId" clId="{181DE482-9F92-4A7D-94FE-1458DA8EA06A}" dt="2018-05-01T04:03:22.700" v="11" actId="1035"/>
+          <ac:picMkLst>
+            <pc:docMk/>
+            <pc:sldMk cId="1345761272" sldId="270"/>
+            <ac:picMk id="11" creationId="{72A495F9-D891-4D52-8010-1597EECA6C79}"/>
+          </ac:picMkLst>
+        </pc:picChg>
+      </pc:sldChg>
+      <pc:sldChg chg="modSp">
+        <pc:chgData name="lidia gianne" userId="abf86593740c7c19" providerId="LiveId" clId="{181DE482-9F92-4A7D-94FE-1458DA8EA06A}" dt="2018-05-01T02:42:52.111" v="0" actId="14826"/>
+        <pc:sldMkLst>
+          <pc:docMk/>
+          <pc:sldMk cId="2522060192" sldId="277"/>
+        </pc:sldMkLst>
+        <pc:picChg chg="mod">
+          <ac:chgData name="lidia gianne" userId="abf86593740c7c19" providerId="LiveId" clId="{181DE482-9F92-4A7D-94FE-1458DA8EA06A}" dt="2018-05-01T02:42:52.111" v="0" actId="14826"/>
+          <ac:picMkLst>
+            <pc:docMk/>
+            <pc:sldMk cId="2522060192" sldId="277"/>
+            <ac:picMk id="6" creationId="{5F50EC9D-2B0F-4F94-B432-B7982D4E378C}"/>
+          </ac:picMkLst>
+        </pc:picChg>
+      </pc:sldChg>
+      <pc:sldChg chg="modSp">
+        <pc:chgData name="lidia gianne" userId="abf86593740c7c19" providerId="LiveId" clId="{181DE482-9F92-4A7D-94FE-1458DA8EA06A}" dt="2018-05-01T04:02:46.189" v="4" actId="1076"/>
+        <pc:sldMkLst>
+          <pc:docMk/>
+          <pc:sldMk cId="2321132605" sldId="280"/>
+        </pc:sldMkLst>
+        <pc:picChg chg="mod">
+          <ac:chgData name="lidia gianne" userId="abf86593740c7c19" providerId="LiveId" clId="{181DE482-9F92-4A7D-94FE-1458DA8EA06A}" dt="2018-05-01T04:02:46.189" v="4" actId="1076"/>
+          <ac:picMkLst>
+            <pc:docMk/>
+            <pc:sldMk cId="2321132605" sldId="280"/>
+            <ac:picMk id="5" creationId="{6C7FD720-43AE-45B9-9800-DB272F704F74}"/>
+          </ac:picMkLst>
+        </pc:picChg>
+      </pc:sldChg>
+      <pc:sldChg chg="modSp">
+        <pc:chgData name="lidia gianne" userId="abf86593740c7c19" providerId="LiveId" clId="{181DE482-9F92-4A7D-94FE-1458DA8EA06A}" dt="2018-05-01T04:03:43.485" v="15" actId="1076"/>
+        <pc:sldMkLst>
+          <pc:docMk/>
+          <pc:sldMk cId="3301075267" sldId="281"/>
+        </pc:sldMkLst>
+        <pc:picChg chg="mod">
+          <ac:chgData name="lidia gianne" userId="abf86593740c7c19" providerId="LiveId" clId="{181DE482-9F92-4A7D-94FE-1458DA8EA06A}" dt="2018-05-01T04:03:43.485" v="15" actId="1076"/>
+          <ac:picMkLst>
+            <pc:docMk/>
+            <pc:sldMk cId="3301075267" sldId="281"/>
+            <ac:picMk id="4" creationId="{576D3CF4-FBF7-488A-ACB0-A95ACA0D33A0}"/>
+          </ac:picMkLst>
+        </pc:picChg>
+      </pc:sldChg>
+      <pc:sldChg chg="modSp del">
+        <pc:chgData name="lidia gianne" userId="abf86593740c7c19" providerId="LiveId" clId="{181DE482-9F92-4A7D-94FE-1458DA8EA06A}" dt="2018-05-01T04:03:08.622" v="6" actId="2696"/>
+        <pc:sldMkLst>
+          <pc:docMk/>
+          <pc:sldMk cId="440157770" sldId="283"/>
+        </pc:sldMkLst>
+        <pc:picChg chg="mod">
+          <ac:chgData name="lidia gianne" userId="abf86593740c7c19" providerId="LiveId" clId="{181DE482-9F92-4A7D-94FE-1458DA8EA06A}" dt="2018-05-01T04:03:03.416" v="5" actId="14826"/>
+          <ac:picMkLst>
+            <pc:docMk/>
+            <pc:sldMk cId="440157770" sldId="283"/>
+            <ac:picMk id="4" creationId="{6C1E511B-F902-448C-8C5F-F08B5BF20496}"/>
+          </ac:picMkLst>
+        </pc:picChg>
+      </pc:sldChg>
+      <pc:sldChg chg="modSp">
+        <pc:chgData name="lidia gianne" userId="abf86593740c7c19" providerId="LiveId" clId="{181DE482-9F92-4A7D-94FE-1458DA8EA06A}" dt="2018-05-01T04:04:01.838" v="19" actId="1076"/>
+        <pc:sldMkLst>
+          <pc:docMk/>
+          <pc:sldMk cId="2512716786" sldId="284"/>
+        </pc:sldMkLst>
+        <pc:picChg chg="mod">
+          <ac:chgData name="lidia gianne" userId="abf86593740c7c19" providerId="LiveId" clId="{181DE482-9F92-4A7D-94FE-1458DA8EA06A}" dt="2018-05-01T04:04:01.838" v="19" actId="1076"/>
+          <ac:picMkLst>
+            <pc:docMk/>
+            <pc:sldMk cId="2512716786" sldId="284"/>
+            <ac:picMk id="5" creationId="{04EF525F-9B51-457E-A748-721E7160D359}"/>
+          </ac:picMkLst>
+        </pc:picChg>
+      </pc:sldChg>
+      <pc:sldChg chg="addSp delSp modSp add">
+        <pc:chgData name="lidia gianne" userId="abf86593740c7c19" providerId="LiveId" clId="{181DE482-9F92-4A7D-94FE-1458DA8EA06A}" dt="2018-05-01T04:05:10.070" v="62" actId="1076"/>
+        <pc:sldMkLst>
+          <pc:docMk/>
+          <pc:sldMk cId="3152620834" sldId="286"/>
+        </pc:sldMkLst>
+        <pc:spChg chg="mod">
+          <ac:chgData name="lidia gianne" userId="abf86593740c7c19" providerId="LiveId" clId="{181DE482-9F92-4A7D-94FE-1458DA8EA06A}" dt="2018-05-01T04:04:58.690" v="58" actId="20577"/>
+          <ac:spMkLst>
+            <pc:docMk/>
+            <pc:sldMk cId="3152620834" sldId="286"/>
+            <ac:spMk id="2" creationId="{C6B00601-CEB7-4403-9D45-7C0559157606}"/>
+          </ac:spMkLst>
+        </pc:spChg>
+        <pc:spChg chg="del">
+          <ac:chgData name="lidia gianne" userId="abf86593740c7c19" providerId="LiveId" clId="{181DE482-9F92-4A7D-94FE-1458DA8EA06A}" dt="2018-05-01T04:05:02.159" v="59" actId="931"/>
+          <ac:spMkLst>
+            <pc:docMk/>
+            <pc:sldMk cId="3152620834" sldId="286"/>
+            <ac:spMk id="3" creationId="{3E94ADEE-3D0C-40A1-A7F4-E1245216F3A4}"/>
+          </ac:spMkLst>
+        </pc:spChg>
+        <pc:picChg chg="add mod">
+          <ac:chgData name="lidia gianne" userId="abf86593740c7c19" providerId="LiveId" clId="{181DE482-9F92-4A7D-94FE-1458DA8EA06A}" dt="2018-05-01T04:05:10.070" v="62" actId="1076"/>
+          <ac:picMkLst>
+            <pc:docMk/>
+            <pc:sldMk cId="3152620834" sldId="286"/>
+            <ac:picMk id="5" creationId="{5B28BB60-8C10-4816-86B0-84C81B5F21BD}"/>
+          </ac:picMkLst>
+        </pc:picChg>
+      </pc:sldChg>
+    </pc:docChg>
+  </pc:docChgLst>
+</pc:chgInfo>
+</file>
+
 <file path=ppt/handoutMasters/handoutMaster1.xml><?xml version="1.0" encoding="utf-8"?>
 <p:handoutMaster xmlns:a="http://schemas.openxmlformats.org/drawingml/2006/main" xmlns:r="http://schemas.openxmlformats.org/officeDocument/2006/relationships" xmlns:p="http://schemas.openxmlformats.org/presentationml/2006/main">
   <p:cSld>
@@ -239,7 +404,7 @@
             <a:pPr rtl="0"/>
             <a:fld id="{754EBC55-AE0F-48A3-A32C-4EB3FA318E7C}" type="datetime1">
               <a:rPr lang="pt-BR" smtClean="0"/>
-              <a:t>17/04/2018</a:t>
+              <a:t>30/04/2018</a:t>
             </a:fld>
             <a:endParaRPr lang="pt-BR" dirty="0"/>
           </a:p>
@@ -408,7 +573,7 @@
             <a:fld id="{A6402284-D08F-4825-ADF0-FC4CF6644176}" type="datetime1">
               <a:rPr lang="pt-BR" smtClean="0"/>
               <a:pPr/>
-              <a:t>17/04/2018</a:t>
+              <a:t>30/04/2018</a:t>
             </a:fld>
             <a:endParaRPr lang="pt-BR" dirty="0"/>
           </a:p>
@@ -1351,7 +1516,7 @@
     </p:spTree>
     <p:extLst>
       <p:ext uri="{BB962C8B-B14F-4D97-AF65-F5344CB8AC3E}">
-        <p14:creationId xmlns:p14="http://schemas.microsoft.com/office/powerpoint/2010/main" val="4051259414"/>
+        <p14:creationId xmlns:p14="http://schemas.microsoft.com/office/powerpoint/2010/main" val="2816056577"/>
       </p:ext>
     </p:extLst>
   </p:cSld>
@@ -1428,7 +1593,7 @@
             <a:pPr rtl="0"/>
             <a:fld id="{7FB667E1-E601-4AAF-B95C-B25720D70A60}" type="slidenum">
               <a:rPr lang="pt-BR" smtClean="0"/>
-              <a:t>19</a:t>
+              <a:t>20</a:t>
             </a:fld>
             <a:endParaRPr lang="pt-BR" dirty="0"/>
           </a:p>
@@ -1437,7 +1602,7 @@
     </p:spTree>
     <p:extLst>
       <p:ext uri="{BB962C8B-B14F-4D97-AF65-F5344CB8AC3E}">
-        <p14:creationId xmlns:p14="http://schemas.microsoft.com/office/powerpoint/2010/main" val="2816056577"/>
+        <p14:creationId xmlns:p14="http://schemas.microsoft.com/office/powerpoint/2010/main" val="1130066119"/>
       </p:ext>
     </p:extLst>
   </p:cSld>
@@ -1488,10 +1653,9 @@
         </p:nvSpPr>
         <p:spPr/>
         <p:txBody>
-          <a:bodyPr rtlCol="0"/>
-          <a:lstStyle/>
-          <a:p>
-            <a:pPr rtl="0"/>
+          <a:bodyPr/>
+          <a:lstStyle/>
+          <a:p>
             <a:endParaRPr lang="pt-BR" dirty="0"/>
           </a:p>
         </p:txBody>
@@ -1508,13 +1672,13 @@
         </p:nvSpPr>
         <p:spPr/>
         <p:txBody>
-          <a:bodyPr rtlCol="0"/>
+          <a:bodyPr/>
           <a:lstStyle/>
           <a:p>
             <a:pPr rtl="0"/>
             <a:fld id="{7FB667E1-E601-4AAF-B95C-B25720D70A60}" type="slidenum">
               <a:rPr lang="pt-BR" smtClean="0"/>
-              <a:t>20</a:t>
+              <a:t>22</a:t>
             </a:fld>
             <a:endParaRPr lang="pt-BR" dirty="0"/>
           </a:p>
@@ -1523,7 +1687,7 @@
     </p:spTree>
     <p:extLst>
       <p:ext uri="{BB962C8B-B14F-4D97-AF65-F5344CB8AC3E}">
-        <p14:creationId xmlns:p14="http://schemas.microsoft.com/office/powerpoint/2010/main" val="1130066119"/>
+        <p14:creationId xmlns:p14="http://schemas.microsoft.com/office/powerpoint/2010/main" val="903172722"/>
       </p:ext>
     </p:extLst>
   </p:cSld>
@@ -1599,7 +1763,7 @@
             <a:pPr rtl="0"/>
             <a:fld id="{7FB667E1-E601-4AAF-B95C-B25720D70A60}" type="slidenum">
               <a:rPr lang="pt-BR" smtClean="0"/>
-              <a:t>22</a:t>
+              <a:t>23</a:t>
             </a:fld>
             <a:endParaRPr lang="pt-BR" dirty="0"/>
           </a:p>
@@ -1608,7 +1772,7 @@
     </p:spTree>
     <p:extLst>
       <p:ext uri="{BB962C8B-B14F-4D97-AF65-F5344CB8AC3E}">
-        <p14:creationId xmlns:p14="http://schemas.microsoft.com/office/powerpoint/2010/main" val="903172722"/>
+        <p14:creationId xmlns:p14="http://schemas.microsoft.com/office/powerpoint/2010/main" val="1902233553"/>
       </p:ext>
     </p:extLst>
   </p:cSld>
@@ -1704,91 +1868,6 @@
 </file>
 
 <file path=ppt/notesSlides/notesSlide20.xml><?xml version="1.0" encoding="utf-8"?>
-<p:notes xmlns:a="http://schemas.openxmlformats.org/drawingml/2006/main" xmlns:r="http://schemas.openxmlformats.org/officeDocument/2006/relationships" xmlns:p="http://schemas.openxmlformats.org/presentationml/2006/main">
-  <p:cSld>
-    <p:spTree>
-      <p:nvGrpSpPr>
-        <p:cNvPr id="1" name=""/>
-        <p:cNvGrpSpPr/>
-        <p:nvPr/>
-      </p:nvGrpSpPr>
-      <p:grpSpPr>
-        <a:xfrm>
-          <a:off x="0" y="0"/>
-          <a:ext cx="0" cy="0"/>
-          <a:chOff x="0" y="0"/>
-          <a:chExt cx="0" cy="0"/>
-        </a:xfrm>
-      </p:grpSpPr>
-      <p:sp>
-        <p:nvSpPr>
-          <p:cNvPr id="2" name="Espaço Reservado para Imagem de Slide 1"/>
-          <p:cNvSpPr>
-            <a:spLocks noGrp="1" noRot="1" noChangeAspect="1"/>
-          </p:cNvSpPr>
-          <p:nvPr>
-            <p:ph type="sldImg"/>
-          </p:nvPr>
-        </p:nvSpPr>
-        <p:spPr/>
-      </p:sp>
-      <p:sp>
-        <p:nvSpPr>
-          <p:cNvPr id="3" name="Espaço Reservado para Anotações 2"/>
-          <p:cNvSpPr>
-            <a:spLocks noGrp="1"/>
-          </p:cNvSpPr>
-          <p:nvPr>
-            <p:ph type="body" idx="1"/>
-          </p:nvPr>
-        </p:nvSpPr>
-        <p:spPr/>
-        <p:txBody>
-          <a:bodyPr/>
-          <a:lstStyle/>
-          <a:p>
-            <a:endParaRPr lang="pt-BR" dirty="0"/>
-          </a:p>
-        </p:txBody>
-      </p:sp>
-      <p:sp>
-        <p:nvSpPr>
-          <p:cNvPr id="4" name="Espaço Reservado para Número de Slide 3"/>
-          <p:cNvSpPr>
-            <a:spLocks noGrp="1"/>
-          </p:cNvSpPr>
-          <p:nvPr>
-            <p:ph type="sldNum" sz="quarter" idx="10"/>
-          </p:nvPr>
-        </p:nvSpPr>
-        <p:spPr/>
-        <p:txBody>
-          <a:bodyPr/>
-          <a:lstStyle/>
-          <a:p>
-            <a:pPr rtl="0"/>
-            <a:fld id="{7FB667E1-E601-4AAF-B95C-B25720D70A60}" type="slidenum">
-              <a:rPr lang="pt-BR" smtClean="0"/>
-              <a:t>23</a:t>
-            </a:fld>
-            <a:endParaRPr lang="pt-BR" dirty="0"/>
-          </a:p>
-        </p:txBody>
-      </p:sp>
-    </p:spTree>
-    <p:extLst>
-      <p:ext uri="{BB962C8B-B14F-4D97-AF65-F5344CB8AC3E}">
-        <p14:creationId xmlns:p14="http://schemas.microsoft.com/office/powerpoint/2010/main" val="1902233553"/>
-      </p:ext>
-    </p:extLst>
-  </p:cSld>
-  <p:clrMapOvr>
-    <a:masterClrMapping/>
-  </p:clrMapOvr>
-</p:notes>
-</file>
-
-<file path=ppt/notesSlides/notesSlide21.xml><?xml version="1.0" encoding="utf-8"?>
 <p:notes xmlns:a="http://schemas.openxmlformats.org/drawingml/2006/main" xmlns:r="http://schemas.openxmlformats.org/officeDocument/2006/relationships" xmlns:p="http://schemas.openxmlformats.org/presentationml/2006/main">
   <p:cSld>
     <p:spTree>
@@ -2838,7 +2917,7 @@
             <a:pPr rtl="0"/>
             <a:fld id="{294191A7-B96F-4FC1-AFA6-7351564410E8}" type="datetime1">
               <a:rPr lang="pt-BR" noProof="0" smtClean="0"/>
-              <a:t>17/04/2018</a:t>
+              <a:t>30/04/2018</a:t>
             </a:fld>
             <a:endParaRPr lang="pt-BR" noProof="0" dirty="0"/>
           </a:p>
@@ -3037,7 +3116,7 @@
             <a:pPr rtl="0"/>
             <a:fld id="{1561CBB8-12E5-46A0-B5D5-CD9A6B7BD5C6}" type="datetime1">
               <a:rPr lang="pt-BR" noProof="0" smtClean="0"/>
-              <a:t>17/04/2018</a:t>
+              <a:t>30/04/2018</a:t>
             </a:fld>
             <a:endParaRPr lang="pt-BR" noProof="0" dirty="0"/>
           </a:p>
@@ -3226,7 +3305,7 @@
             <a:pPr rtl="0"/>
             <a:fld id="{7CC779D7-1E1F-4057-9B10-FBF12E08F57A}" type="datetime1">
               <a:rPr lang="pt-BR" noProof="0" smtClean="0"/>
-              <a:t>17/04/2018</a:t>
+              <a:t>30/04/2018</a:t>
             </a:fld>
             <a:endParaRPr lang="pt-BR" noProof="0" dirty="0"/>
           </a:p>
@@ -3545,7 +3624,7 @@
             <a:pPr rtl="0"/>
             <a:fld id="{E0521A35-E92A-4E80-953D-FB98AFCF5795}" type="datetime1">
               <a:rPr lang="pt-BR" noProof="0" smtClean="0"/>
-              <a:t>17/04/2018</a:t>
+              <a:t>30/04/2018</a:t>
             </a:fld>
             <a:endParaRPr lang="pt-BR" noProof="0" dirty="0"/>
           </a:p>
@@ -3856,7 +3935,7 @@
             <a:pPr rtl="0"/>
             <a:fld id="{BC7AECA0-7D11-4296-9DCE-E4E6D7799072}" type="datetime1">
               <a:rPr lang="pt-BR" noProof="0" smtClean="0"/>
-              <a:t>17/04/2018</a:t>
+              <a:t>30/04/2018</a:t>
             </a:fld>
             <a:endParaRPr lang="pt-BR" noProof="0" dirty="0"/>
           </a:p>
@@ -4307,7 +4386,7 @@
             <a:pPr rtl="0"/>
             <a:fld id="{530CFC50-1EE8-4046-A485-FA3C58D404B9}" type="datetime1">
               <a:rPr lang="pt-BR" noProof="0" smtClean="0"/>
-              <a:t>17/04/2018</a:t>
+              <a:t>30/04/2018</a:t>
             </a:fld>
             <a:endParaRPr lang="pt-BR" noProof="0" dirty="0"/>
           </a:p>
@@ -4444,7 +4523,7 @@
             <a:pPr rtl="0"/>
             <a:fld id="{186AC24F-93A4-4507-BD25-36E38EFA252E}" type="datetime1">
               <a:rPr lang="pt-BR" noProof="0" smtClean="0"/>
-              <a:t>17/04/2018</a:t>
+              <a:t>30/04/2018</a:t>
             </a:fld>
             <a:endParaRPr lang="pt-BR" noProof="0" dirty="0"/>
           </a:p>
@@ -4602,7 +4681,7 @@
             <a:pPr rtl="0"/>
             <a:fld id="{04A36A52-6F14-4F52-9D10-6B7F88F49229}" type="datetime1">
               <a:rPr lang="pt-BR" noProof="0" smtClean="0"/>
-              <a:t>17/04/2018</a:t>
+              <a:t>30/04/2018</a:t>
             </a:fld>
             <a:endParaRPr lang="pt-BR" noProof="0" dirty="0"/>
           </a:p>
@@ -4907,7 +4986,7 @@
             <a:pPr rtl="0"/>
             <a:fld id="{31ECA022-3C6D-4732-80A6-28D6EAF2AE57}" type="datetime1">
               <a:rPr lang="pt-BR" noProof="0" smtClean="0"/>
-              <a:t>17/04/2018</a:t>
+              <a:t>30/04/2018</a:t>
             </a:fld>
             <a:endParaRPr lang="pt-BR" noProof="0" dirty="0"/>
           </a:p>
@@ -5201,7 +5280,7 @@
             <a:pPr rtl="0"/>
             <a:fld id="{6DB7D82C-8981-4BB4-BBEB-F55C8347414D}" type="datetime1">
               <a:rPr lang="pt-BR" noProof="0" smtClean="0"/>
-              <a:t>17/04/2018</a:t>
+              <a:t>30/04/2018</a:t>
             </a:fld>
             <a:endParaRPr lang="pt-BR" noProof="0" dirty="0"/>
           </a:p>
@@ -5494,7 +5573,7 @@
             <a:pPr rtl="0"/>
             <a:fld id="{13C6A4D1-5860-4728-B7F9-ACD24DF0BDA6}" type="datetime1">
               <a:rPr lang="pt-BR" noProof="0" smtClean="0"/>
-              <a:t>17/04/2018</a:t>
+              <a:t>30/04/2018</a:t>
             </a:fld>
             <a:endParaRPr lang="pt-BR" noProof="0" dirty="0"/>
           </a:p>
@@ -6439,8 +6518,8 @@
         </p:blipFill>
         <p:spPr>
           <a:xfrm>
-            <a:off x="2979026" y="2001417"/>
-            <a:ext cx="6233947" cy="4174924"/>
+            <a:off x="2979026" y="2283663"/>
+            <a:ext cx="6233947" cy="3610432"/>
           </a:xfrm>
         </p:spPr>
       </p:pic>
@@ -6846,8 +6925,8 @@
         </p:blipFill>
         <p:spPr>
           <a:xfrm>
-            <a:off x="4275571" y="1901594"/>
-            <a:ext cx="3640858" cy="4399370"/>
+            <a:off x="3790633" y="2029321"/>
+            <a:ext cx="4610734" cy="4047707"/>
           </a:xfrm>
         </p:spPr>
       </p:pic>
@@ -6911,17 +6990,17 @@
             <a:pPr rtl="0"/>
             <a:r>
               <a:rPr lang="pt-BR" dirty="0"/>
-              <a:t>Exibindo Status da Rede</a:t>
+              <a:t>Conectando ao servidor</a:t>
             </a:r>
           </a:p>
         </p:txBody>
       </p:sp>
       <p:pic>
         <p:nvPicPr>
-          <p:cNvPr id="4" name="Espaço Reservado para Conteúdo 3">
+          <p:cNvPr id="11" name="Espaço Reservado para Conteúdo 10">
             <a:extLst>
               <a:ext uri="{FF2B5EF4-FFF2-40B4-BE49-F238E27FC236}">
-                <a16:creationId xmlns:a16="http://schemas.microsoft.com/office/drawing/2014/main" id="{6C1E511B-F902-448C-8C5F-F08B5BF20496}"/>
+                <a16:creationId xmlns:a16="http://schemas.microsoft.com/office/drawing/2014/main" id="{72A495F9-D891-4D52-8010-1597EECA6C79}"/>
               </a:ext>
             </a:extLst>
           </p:cNvPr>
@@ -6946,15 +7025,15 @@
         </p:blipFill>
         <p:spPr>
           <a:xfrm>
-            <a:off x="2789801" y="2314079"/>
-            <a:ext cx="6612397" cy="3321722"/>
+            <a:off x="2437631" y="2073089"/>
+            <a:ext cx="7446202" cy="4103479"/>
           </a:xfrm>
         </p:spPr>
       </p:pic>
     </p:spTree>
     <p:extLst>
       <p:ext uri="{BB962C8B-B14F-4D97-AF65-F5344CB8AC3E}">
-        <p14:creationId xmlns:p14="http://schemas.microsoft.com/office/powerpoint/2010/main" val="440157770"/>
+        <p14:creationId xmlns:p14="http://schemas.microsoft.com/office/powerpoint/2010/main" val="1345761272"/>
       </p:ext>
     </p:extLst>
   </p:cSld>
@@ -6995,7 +7074,13 @@
       </p:grpSpPr>
       <p:sp>
         <p:nvSpPr>
-          <p:cNvPr id="13" name="Título 12"/>
+          <p:cNvPr id="2" name="Título 1">
+            <a:extLst>
+              <a:ext uri="{FF2B5EF4-FFF2-40B4-BE49-F238E27FC236}">
+                <a16:creationId xmlns:a16="http://schemas.microsoft.com/office/drawing/2014/main" id="{C6B00601-CEB7-4403-9D45-7C0559157606}"/>
+              </a:ext>
+            </a:extLst>
+          </p:cNvPr>
           <p:cNvSpPr>
             <a:spLocks noGrp="1"/>
           </p:cNvSpPr>
@@ -7005,23 +7090,22 @@
         </p:nvSpPr>
         <p:spPr/>
         <p:txBody>
-          <a:bodyPr rtlCol="0"/>
-          <a:lstStyle/>
-          <a:p>
-            <a:pPr rtl="0"/>
+          <a:bodyPr/>
+          <a:lstStyle/>
+          <a:p>
             <a:r>
               <a:rPr lang="pt-BR" dirty="0"/>
-              <a:t>Conectando ao servidor</a:t>
+              <a:t>Enviando dados ao servidor</a:t>
             </a:r>
           </a:p>
         </p:txBody>
       </p:sp>
       <p:pic>
         <p:nvPicPr>
-          <p:cNvPr id="11" name="Espaço Reservado para Conteúdo 10">
+          <p:cNvPr id="5" name="Espaço Reservado para Conteúdo 4">
             <a:extLst>
               <a:ext uri="{FF2B5EF4-FFF2-40B4-BE49-F238E27FC236}">
-                <a16:creationId xmlns:a16="http://schemas.microsoft.com/office/drawing/2014/main" id="{72A495F9-D891-4D52-8010-1597EECA6C79}"/>
+                <a16:creationId xmlns:a16="http://schemas.microsoft.com/office/drawing/2014/main" id="{5B28BB60-8C10-4816-86B0-84C81B5F21BD}"/>
               </a:ext>
             </a:extLst>
           </p:cNvPr>
@@ -7033,7 +7117,7 @@
           </p:nvPr>
         </p:nvPicPr>
         <p:blipFill>
-          <a:blip r:embed="rId3">
+          <a:blip r:embed="rId2">
             <a:extLst>
               <a:ext uri="{28A0092B-C50C-407E-A947-70E740481C1C}">
                 <a14:useLocalDpi xmlns:a14="http://schemas.microsoft.com/office/drawing/2010/main" val="0"/>
@@ -7046,15 +7130,15 @@
         </p:blipFill>
         <p:spPr>
           <a:xfrm>
-            <a:off x="4017049" y="1875689"/>
-            <a:ext cx="4157902" cy="4514951"/>
+            <a:off x="2512588" y="1930221"/>
+            <a:ext cx="7166824" cy="4019605"/>
           </a:xfrm>
         </p:spPr>
       </p:pic>
     </p:spTree>
     <p:extLst>
       <p:ext uri="{BB962C8B-B14F-4D97-AF65-F5344CB8AC3E}">
-        <p14:creationId xmlns:p14="http://schemas.microsoft.com/office/powerpoint/2010/main" val="1345761272"/>
+        <p14:creationId xmlns:p14="http://schemas.microsoft.com/office/powerpoint/2010/main" val="3152620834"/>
       </p:ext>
     </p:extLst>
   </p:cSld>
@@ -7246,8 +7330,8 @@
         </p:blipFill>
         <p:spPr>
           <a:xfrm>
-            <a:off x="3696437" y="2736953"/>
-            <a:ext cx="4293649" cy="2196292"/>
+            <a:off x="3533517" y="2229876"/>
+            <a:ext cx="5124965" cy="3247923"/>
           </a:xfrm>
         </p:spPr>
       </p:pic>
@@ -7351,8 +7435,8 @@
         </p:blipFill>
         <p:spPr>
           <a:xfrm>
-            <a:off x="3741373" y="1895300"/>
-            <a:ext cx="4709253" cy="4158002"/>
+            <a:off x="2837733" y="2231723"/>
+            <a:ext cx="6516533" cy="3258266"/>
           </a:xfrm>
         </p:spPr>
       </p:pic>
@@ -7451,8 +7535,8 @@
         </p:blipFill>
         <p:spPr>
           <a:xfrm>
-            <a:off x="2984782" y="1806927"/>
-            <a:ext cx="6222436" cy="4484325"/>
+            <a:off x="2604911" y="2015564"/>
+            <a:ext cx="6982178" cy="3966654"/>
           </a:xfrm>
         </p:spPr>
       </p:pic>
@@ -7549,8 +7633,8 @@
         </p:blipFill>
         <p:spPr>
           <a:xfrm>
-            <a:off x="3553835" y="2050158"/>
-            <a:ext cx="5084329" cy="4224368"/>
+            <a:off x="3275979" y="1862096"/>
+            <a:ext cx="5640041" cy="4439388"/>
           </a:xfrm>
           <a:prstGeom prst="rect">
             <a:avLst/>
@@ -9734,15 +9818,6 @@
 </file>
 
 <file path=customXml/item1.xml><?xml version="1.0" encoding="utf-8"?>
-<?mso-contentType ?>
-<FormTemplates xmlns="http://schemas.microsoft.com/sharepoint/v3/contenttype/forms">
-  <Display>DocumentLibraryForm</Display>
-  <Edit>DocumentLibraryForm</Edit>
-  <New>DocumentLibraryForm</New>
-</FormTemplates>
-</file>
-
-<file path=customXml/item2.xml><?xml version="1.0" encoding="utf-8"?>
 <ct:contentTypeSchema xmlns:ct="http://schemas.microsoft.com/office/2006/metadata/contentType" xmlns:ma="http://schemas.microsoft.com/office/2006/metadata/properties/metaAttributes" ct:_="" ma:_="" ma:contentTypeName="Document" ma:contentTypeID="0x010100AA3F7D94069FF64A86F7DFF56D60E3BE" ma:contentTypeVersion="6" ma:contentTypeDescription="Create a new document." ma:contentTypeScope="" ma:versionID="c32302c77d4085ecf495bdddb7f5e889">
   <xsd:schema xmlns:xsd="http://www.w3.org/2001/XMLSchema" xmlns:xs="http://www.w3.org/2001/XMLSchema" xmlns:p="http://schemas.microsoft.com/office/2006/metadata/properties" xmlns:ns2="a4f35948-e619-41b3-aa29-22878b09cfd2" xmlns:ns3="40262f94-9f35-4ac3-9a90-690165a166b7" targetNamespace="http://schemas.microsoft.com/office/2006/metadata/properties" ma:root="true" ma:fieldsID="4ab5ae46be95f9d0be6107e8200be7a2" ns2:_="" ns3:_="">
     <xsd:import namespace="a4f35948-e619-41b3-aa29-22878b09cfd2"/>
@@ -9923,6 +9998,15 @@
 </ct:contentTypeSchema>
 </file>
 
+<file path=customXml/item2.xml><?xml version="1.0" encoding="utf-8"?>
+<?mso-contentType ?>
+<FormTemplates xmlns="http://schemas.microsoft.com/sharepoint/v3/contenttype/forms">
+  <Display>DocumentLibraryForm</Display>
+  <Edit>DocumentLibraryForm</Edit>
+  <New>DocumentLibraryForm</New>
+</FormTemplates>
+</file>
+
 <file path=customXml/item3.xml><?xml version="1.0" encoding="utf-8"?>
 <p:properties xmlns:p="http://schemas.microsoft.com/office/2006/metadata/properties" xmlns:xsi="http://www.w3.org/2001/XMLSchema-instance" xmlns:pc="http://schemas.microsoft.com/office/infopath/2007/PartnerControls">
   <documentManagement>
@@ -9935,14 +10019,6 @@
 </file>
 
 <file path=customXml/itemProps1.xml><?xml version="1.0" encoding="utf-8"?>
-<ds:datastoreItem xmlns:ds="http://schemas.openxmlformats.org/officeDocument/2006/customXml" ds:itemID="{FAC2023F-644C-4F7E-8E8C-CDBE4A63C7D1}">
-  <ds:schemaRefs>
-    <ds:schemaRef ds:uri="http://schemas.microsoft.com/sharepoint/v3/contenttype/forms"/>
-  </ds:schemaRefs>
-</ds:datastoreItem>
-</file>
-
-<file path=customXml/itemProps2.xml><?xml version="1.0" encoding="utf-8"?>
 <ds:datastoreItem xmlns:ds="http://schemas.openxmlformats.org/officeDocument/2006/customXml" ds:itemID="{ED65A2C9-CB67-4F36-A412-EEC1AD297F3A}">
   <ds:schemaRefs>
     <ds:schemaRef ds:uri="http://schemas.microsoft.com/office/2006/metadata/contentType"/>
@@ -9961,19 +10037,20 @@
 </ds:datastoreItem>
 </file>
 
+<file path=customXml/itemProps2.xml><?xml version="1.0" encoding="utf-8"?>
+<ds:datastoreItem xmlns:ds="http://schemas.openxmlformats.org/officeDocument/2006/customXml" ds:itemID="{FAC2023F-644C-4F7E-8E8C-CDBE4A63C7D1}">
+  <ds:schemaRefs>
+    <ds:schemaRef ds:uri="http://schemas.microsoft.com/sharepoint/v3/contenttype/forms"/>
+  </ds:schemaRefs>
+</ds:datastoreItem>
+</file>
+
 <file path=customXml/itemProps3.xml><?xml version="1.0" encoding="utf-8"?>
 <ds:datastoreItem xmlns:ds="http://schemas.openxmlformats.org/officeDocument/2006/customXml" ds:itemID="{40B0D886-CB8D-4564-A797-C05BC7D513A8}">
   <ds:schemaRefs>
-    <ds:schemaRef ds:uri="http://purl.org/dc/elements/1.1/"/>
     <ds:schemaRef ds:uri="http://schemas.microsoft.com/office/2006/metadata/properties"/>
-    <ds:schemaRef ds:uri="http://purl.org/dc/terms/"/>
-    <ds:schemaRef ds:uri="http://schemas.openxmlformats.org/package/2006/metadata/core-properties"/>
-    <ds:schemaRef ds:uri="http://schemas.microsoft.com/office/2006/documentManagement/types"/>
     <ds:schemaRef ds:uri="http://schemas.microsoft.com/office/infopath/2007/PartnerControls"/>
     <ds:schemaRef ds:uri="40262f94-9f35-4ac3-9a90-690165a166b7"/>
-    <ds:schemaRef ds:uri="a4f35948-e619-41b3-aa29-22878b09cfd2"/>
-    <ds:schemaRef ds:uri="http://www.w3.org/XML/1998/namespace"/>
-    <ds:schemaRef ds:uri="http://purl.org/dc/dcmitype/"/>
   </ds:schemaRefs>
 </ds:datastoreItem>
 </file>